--- a/paper/Submissions/PlantCell/TPC accepted sub/Figures/Figure 5.pptx
+++ b/paper/Submissions/PlantCell/TPC accepted sub/Figures/Figure 5.pptx
@@ -209,7 +209,7 @@
           <a:p>
             <a:fld id="{5C565908-5270-4969-9DF6-BEB77AF8793D}" type="datetimeFigureOut">
               <a:rPr lang="en-US" smtClean="0"/>
-              <a:t>8/15/2018</a:t>
+              <a:t>12/13/2018</a:t>
             </a:fld>
             <a:endParaRPr lang="en-US"/>
           </a:p>
@@ -764,7 +764,7 @@
           <a:p>
             <a:fld id="{CCE36AD2-7272-43A5-83B9-65017B25DD9B}" type="datetimeFigureOut">
               <a:rPr lang="en-US" smtClean="0"/>
-              <a:t>8/15/2018</a:t>
+              <a:t>12/13/2018</a:t>
             </a:fld>
             <a:endParaRPr lang="en-US"/>
           </a:p>
@@ -932,7 +932,7 @@
           <a:p>
             <a:fld id="{CCE36AD2-7272-43A5-83B9-65017B25DD9B}" type="datetimeFigureOut">
               <a:rPr lang="en-US" smtClean="0"/>
-              <a:t>8/15/2018</a:t>
+              <a:t>12/13/2018</a:t>
             </a:fld>
             <a:endParaRPr lang="en-US"/>
           </a:p>
@@ -1110,7 +1110,7 @@
           <a:p>
             <a:fld id="{CCE36AD2-7272-43A5-83B9-65017B25DD9B}" type="datetimeFigureOut">
               <a:rPr lang="en-US" smtClean="0"/>
-              <a:t>8/15/2018</a:t>
+              <a:t>12/13/2018</a:t>
             </a:fld>
             <a:endParaRPr lang="en-US"/>
           </a:p>
@@ -1278,7 +1278,7 @@
           <a:p>
             <a:fld id="{CCE36AD2-7272-43A5-83B9-65017B25DD9B}" type="datetimeFigureOut">
               <a:rPr lang="en-US" smtClean="0"/>
-              <a:t>8/15/2018</a:t>
+              <a:t>12/13/2018</a:t>
             </a:fld>
             <a:endParaRPr lang="en-US"/>
           </a:p>
@@ -1523,7 +1523,7 @@
           <a:p>
             <a:fld id="{CCE36AD2-7272-43A5-83B9-65017B25DD9B}" type="datetimeFigureOut">
               <a:rPr lang="en-US" smtClean="0"/>
-              <a:t>8/15/2018</a:t>
+              <a:t>12/13/2018</a:t>
             </a:fld>
             <a:endParaRPr lang="en-US"/>
           </a:p>
@@ -1808,7 +1808,7 @@
           <a:p>
             <a:fld id="{CCE36AD2-7272-43A5-83B9-65017B25DD9B}" type="datetimeFigureOut">
               <a:rPr lang="en-US" smtClean="0"/>
-              <a:t>8/15/2018</a:t>
+              <a:t>12/13/2018</a:t>
             </a:fld>
             <a:endParaRPr lang="en-US"/>
           </a:p>
@@ -2227,7 +2227,7 @@
           <a:p>
             <a:fld id="{CCE36AD2-7272-43A5-83B9-65017B25DD9B}" type="datetimeFigureOut">
               <a:rPr lang="en-US" smtClean="0"/>
-              <a:t>8/15/2018</a:t>
+              <a:t>12/13/2018</a:t>
             </a:fld>
             <a:endParaRPr lang="en-US"/>
           </a:p>
@@ -2344,7 +2344,7 @@
           <a:p>
             <a:fld id="{CCE36AD2-7272-43A5-83B9-65017B25DD9B}" type="datetimeFigureOut">
               <a:rPr lang="en-US" smtClean="0"/>
-              <a:t>8/15/2018</a:t>
+              <a:t>12/13/2018</a:t>
             </a:fld>
             <a:endParaRPr lang="en-US"/>
           </a:p>
@@ -2439,7 +2439,7 @@
           <a:p>
             <a:fld id="{CCE36AD2-7272-43A5-83B9-65017B25DD9B}" type="datetimeFigureOut">
               <a:rPr lang="en-US" smtClean="0"/>
-              <a:t>8/15/2018</a:t>
+              <a:t>12/13/2018</a:t>
             </a:fld>
             <a:endParaRPr lang="en-US"/>
           </a:p>
@@ -2714,7 +2714,7 @@
           <a:p>
             <a:fld id="{CCE36AD2-7272-43A5-83B9-65017B25DD9B}" type="datetimeFigureOut">
               <a:rPr lang="en-US" smtClean="0"/>
-              <a:t>8/15/2018</a:t>
+              <a:t>12/13/2018</a:t>
             </a:fld>
             <a:endParaRPr lang="en-US"/>
           </a:p>
@@ -2966,7 +2966,7 @@
           <a:p>
             <a:fld id="{CCE36AD2-7272-43A5-83B9-65017B25DD9B}" type="datetimeFigureOut">
               <a:rPr lang="en-US" smtClean="0"/>
-              <a:t>8/15/2018</a:t>
+              <a:t>12/13/2018</a:t>
             </a:fld>
             <a:endParaRPr lang="en-US"/>
           </a:p>
@@ -3177,7 +3177,7 @@
           <a:p>
             <a:fld id="{CCE36AD2-7272-43A5-83B9-65017B25DD9B}" type="datetimeFigureOut">
               <a:rPr lang="en-US" smtClean="0"/>
-              <a:t>8/15/2018</a:t>
+              <a:t>12/13/2018</a:t>
             </a:fld>
             <a:endParaRPr lang="en-US"/>
           </a:p>
@@ -3554,10 +3554,10 @@
       </p:grpSpPr>
       <p:grpSp>
         <p:nvGrpSpPr>
-          <p:cNvPr id="2" name="Group 1">
+          <p:cNvPr id="3" name="Group 2">
             <a:extLst>
               <a:ext uri="{FF2B5EF4-FFF2-40B4-BE49-F238E27FC236}">
-                <a16:creationId xmlns:a16="http://schemas.microsoft.com/office/drawing/2014/main" id="{425BEBE6-AA8B-443A-B01D-720FA3974C10}"/>
+                <a16:creationId xmlns:a16="http://schemas.microsoft.com/office/drawing/2014/main" id="{A07B50B2-A2C4-4283-9A89-BEC71009F308}"/>
               </a:ext>
             </a:extLst>
           </p:cNvPr>
@@ -3572,12 +3572,209 @@
             <a:chExt cx="6934200" cy="9140365"/>
           </a:xfrm>
         </p:grpSpPr>
+        <p:grpSp>
+          <p:nvGrpSpPr>
+            <p:cNvPr id="2" name="Group 1">
+              <a:extLst>
+                <a:ext uri="{FF2B5EF4-FFF2-40B4-BE49-F238E27FC236}">
+                  <a16:creationId xmlns:a16="http://schemas.microsoft.com/office/drawing/2014/main" id="{425BEBE6-AA8B-443A-B01D-720FA3974C10}"/>
+                </a:ext>
+              </a:extLst>
+            </p:cNvPr>
+            <p:cNvGrpSpPr/>
+            <p:nvPr/>
+          </p:nvGrpSpPr>
+          <p:grpSpPr>
+            <a:xfrm>
+              <a:off x="-76200" y="1"/>
+              <a:ext cx="6934200" cy="9140365"/>
+              <a:chOff x="-76200" y="1"/>
+              <a:chExt cx="6934200" cy="9140365"/>
+            </a:xfrm>
+          </p:grpSpPr>
+          <p:pic>
+            <p:nvPicPr>
+              <p:cNvPr id="6" name="Picture 5">
+                <a:extLst>
+                  <a:ext uri="{FF2B5EF4-FFF2-40B4-BE49-F238E27FC236}">
+                    <a16:creationId xmlns:a16="http://schemas.microsoft.com/office/drawing/2014/main" id="{FDF49CE2-49C1-464E-B09A-B8F09486C795}"/>
+                  </a:ext>
+                </a:extLst>
+              </p:cNvPr>
+              <p:cNvPicPr>
+                <a:picLocks noChangeAspect="1"/>
+              </p:cNvPicPr>
+              <p:nvPr/>
+            </p:nvPicPr>
+            <p:blipFill>
+              <a:blip r:embed="rId3" cstate="print">
+                <a:extLst>
+                  <a:ext uri="{28A0092B-C50C-407E-A947-70E740481C1C}">
+                    <a14:useLocalDpi xmlns:a14="http://schemas.microsoft.com/office/drawing/2010/main" val="0"/>
+                  </a:ext>
+                </a:extLst>
+              </a:blip>
+              <a:stretch>
+                <a:fillRect/>
+              </a:stretch>
+            </p:blipFill>
+            <p:spPr>
+              <a:xfrm>
+                <a:off x="-66582" y="4568366"/>
+                <a:ext cx="6858000" cy="4572000"/>
+              </a:xfrm>
+              <a:prstGeom prst="rect">
+                <a:avLst/>
+              </a:prstGeom>
+            </p:spPr>
+          </p:pic>
+          <p:pic>
+            <p:nvPicPr>
+              <p:cNvPr id="2052" name="Picture 4" descr="C:\Users\nesoltis\Documents\Projects\BcSolGWAS\paper\plots\FigR7\R7a_topSNPssOverlap_12Plants_prob.jpg"/>
+              <p:cNvPicPr>
+                <a:picLocks noChangeAspect="1" noChangeArrowheads="1"/>
+              </p:cNvPicPr>
+              <p:nvPr/>
+            </p:nvPicPr>
+            <p:blipFill>
+              <a:blip r:embed="rId4" cstate="print">
+                <a:extLst>
+                  <a:ext uri="{28A0092B-C50C-407E-A947-70E740481C1C}">
+                    <a14:useLocalDpi xmlns:a14="http://schemas.microsoft.com/office/drawing/2010/main" val="0"/>
+                  </a:ext>
+                </a:extLst>
+              </a:blip>
+              <a:srcRect/>
+              <a:stretch>
+                <a:fillRect/>
+              </a:stretch>
+            </p:blipFill>
+            <p:spPr bwMode="auto">
+              <a:xfrm>
+                <a:off x="0" y="351692"/>
+                <a:ext cx="6858000" cy="4220308"/>
+              </a:xfrm>
+              <a:prstGeom prst="rect">
+                <a:avLst/>
+              </a:prstGeom>
+              <a:noFill/>
+              <a:extLst>
+                <a:ext uri="{909E8E84-426E-40DD-AFC4-6F175D3DCCD1}">
+                  <a14:hiddenFill xmlns:a14="http://schemas.microsoft.com/office/drawing/2010/main">
+                    <a:solidFill>
+                      <a:srgbClr val="FFFFFF"/>
+                    </a:solidFill>
+                  </a14:hiddenFill>
+                </a:ext>
+              </a:extLst>
+            </p:spPr>
+          </p:pic>
+          <p:pic>
+            <p:nvPicPr>
+              <p:cNvPr id="2050" name="Picture 2" descr="C:\Users\nesoltis\Documents\Projects\BcSolGWAS\paper\plots\FigR7\R7a_topSNPssOverlap_12Plants_probSmall.jpg"/>
+              <p:cNvPicPr>
+                <a:picLocks noChangeAspect="1" noChangeArrowheads="1"/>
+              </p:cNvPicPr>
+              <p:nvPr/>
+            </p:nvPicPr>
+            <p:blipFill>
+              <a:blip r:embed="rId5" cstate="print">
+                <a:extLst>
+                  <a:ext uri="{28A0092B-C50C-407E-A947-70E740481C1C}">
+                    <a14:useLocalDpi xmlns:a14="http://schemas.microsoft.com/office/drawing/2010/main" val="0"/>
+                  </a:ext>
+                </a:extLst>
+              </a:blip>
+              <a:srcRect/>
+              <a:stretch>
+                <a:fillRect/>
+              </a:stretch>
+            </p:blipFill>
+            <p:spPr bwMode="auto">
+              <a:xfrm>
+                <a:off x="3048001" y="492369"/>
+                <a:ext cx="3657601" cy="2532185"/>
+              </a:xfrm>
+              <a:prstGeom prst="rect">
+                <a:avLst/>
+              </a:prstGeom>
+              <a:noFill/>
+              <a:extLst>
+                <a:ext uri="{909E8E84-426E-40DD-AFC4-6F175D3DCCD1}">
+                  <a14:hiddenFill xmlns:a14="http://schemas.microsoft.com/office/drawing/2010/main">
+                    <a:solidFill>
+                      <a:srgbClr val="FFFFFF"/>
+                    </a:solidFill>
+                  </a14:hiddenFill>
+                </a:ext>
+              </a:extLst>
+            </p:spPr>
+          </p:pic>
+          <p:sp>
+            <p:nvSpPr>
+              <p:cNvPr id="11" name="TextBox 10"/>
+              <p:cNvSpPr txBox="1"/>
+              <p:nvPr/>
+            </p:nvSpPr>
+            <p:spPr>
+              <a:xfrm>
+                <a:off x="-76200" y="1"/>
+                <a:ext cx="421578" cy="430881"/>
+              </a:xfrm>
+              <a:prstGeom prst="rect">
+                <a:avLst/>
+              </a:prstGeom>
+              <a:noFill/>
+            </p:spPr>
+            <p:txBody>
+              <a:bodyPr wrap="none" lIns="152394" tIns="76197" rIns="152394" bIns="76197" rtlCol="0">
+                <a:spAutoFit/>
+              </a:bodyPr>
+              <a:lstStyle/>
+              <a:p>
+                <a:r>
+                  <a:rPr lang="en-US" b="1" dirty="0"/>
+                  <a:t>a</a:t>
+                </a:r>
+              </a:p>
+            </p:txBody>
+          </p:sp>
+          <p:sp>
+            <p:nvSpPr>
+              <p:cNvPr id="12" name="TextBox 11"/>
+              <p:cNvSpPr txBox="1"/>
+              <p:nvPr/>
+            </p:nvSpPr>
+            <p:spPr>
+              <a:xfrm>
+                <a:off x="-66582" y="4352926"/>
+                <a:ext cx="437608" cy="430881"/>
+              </a:xfrm>
+              <a:prstGeom prst="rect">
+                <a:avLst/>
+              </a:prstGeom>
+              <a:noFill/>
+            </p:spPr>
+            <p:txBody>
+              <a:bodyPr wrap="none" lIns="152394" tIns="76197" rIns="152394" bIns="76197" rtlCol="0">
+                <a:spAutoFit/>
+              </a:bodyPr>
+              <a:lstStyle/>
+              <a:p>
+                <a:r>
+                  <a:rPr lang="en-US" b="1" dirty="0"/>
+                  <a:t>b</a:t>
+                </a:r>
+              </a:p>
+            </p:txBody>
+          </p:sp>
+        </p:grpSp>
         <p:pic>
           <p:nvPicPr>
-            <p:cNvPr id="6" name="Picture 5">
+            <p:cNvPr id="9" name="Picture 8">
               <a:extLst>
                 <a:ext uri="{FF2B5EF4-FFF2-40B4-BE49-F238E27FC236}">
-                  <a16:creationId xmlns:a16="http://schemas.microsoft.com/office/drawing/2014/main" id="{FDF49CE2-49C1-464E-B09A-B8F09486C795}"/>
+                  <a16:creationId xmlns:a16="http://schemas.microsoft.com/office/drawing/2014/main" id="{449ACE19-A86A-496F-98E0-9DABAF3E63B1}"/>
                 </a:ext>
               </a:extLst>
             </p:cNvPr>
@@ -3587,7 +3784,7 @@
             <p:nvPr/>
           </p:nvPicPr>
           <p:blipFill>
-            <a:blip r:embed="rId3" cstate="print">
+            <a:blip r:embed="rId6" cstate="print">
               <a:extLst>
                 <a:ext uri="{28A0092B-C50C-407E-A947-70E740481C1C}">
                   <a14:useLocalDpi xmlns:a14="http://schemas.microsoft.com/office/drawing/2010/main" val="0"/>
@@ -3600,191 +3797,15 @@
           </p:blipFill>
           <p:spPr>
             <a:xfrm>
-              <a:off x="-66582" y="4568366"/>
-              <a:ext cx="6858000" cy="4572000"/>
+              <a:off x="3317512" y="4783807"/>
+              <a:ext cx="3118578" cy="2338934"/>
             </a:xfrm>
             <a:prstGeom prst="rect">
               <a:avLst/>
             </a:prstGeom>
           </p:spPr>
         </p:pic>
-        <p:pic>
-          <p:nvPicPr>
-            <p:cNvPr id="2052" name="Picture 4" descr="C:\Users\nesoltis\Documents\Projects\BcSolGWAS\paper\plots\FigR7\R7a_topSNPssOverlap_12Plants_prob.jpg"/>
-            <p:cNvPicPr>
-              <a:picLocks noChangeAspect="1" noChangeArrowheads="1"/>
-            </p:cNvPicPr>
-            <p:nvPr/>
-          </p:nvPicPr>
-          <p:blipFill>
-            <a:blip r:embed="rId4" cstate="print">
-              <a:extLst>
-                <a:ext uri="{28A0092B-C50C-407E-A947-70E740481C1C}">
-                  <a14:useLocalDpi xmlns:a14="http://schemas.microsoft.com/office/drawing/2010/main" val="0"/>
-                </a:ext>
-              </a:extLst>
-            </a:blip>
-            <a:srcRect/>
-            <a:stretch>
-              <a:fillRect/>
-            </a:stretch>
-          </p:blipFill>
-          <p:spPr bwMode="auto">
-            <a:xfrm>
-              <a:off x="0" y="351692"/>
-              <a:ext cx="6858000" cy="4220308"/>
-            </a:xfrm>
-            <a:prstGeom prst="rect">
-              <a:avLst/>
-            </a:prstGeom>
-            <a:noFill/>
-            <a:extLst>
-              <a:ext uri="{909E8E84-426E-40DD-AFC4-6F175D3DCCD1}">
-                <a14:hiddenFill xmlns:a14="http://schemas.microsoft.com/office/drawing/2010/main">
-                  <a:solidFill>
-                    <a:srgbClr val="FFFFFF"/>
-                  </a:solidFill>
-                </a14:hiddenFill>
-              </a:ext>
-            </a:extLst>
-          </p:spPr>
-        </p:pic>
-        <p:pic>
-          <p:nvPicPr>
-            <p:cNvPr id="2050" name="Picture 2" descr="C:\Users\nesoltis\Documents\Projects\BcSolGWAS\paper\plots\FigR7\R7a_topSNPssOverlap_12Plants_probSmall.jpg"/>
-            <p:cNvPicPr>
-              <a:picLocks noChangeAspect="1" noChangeArrowheads="1"/>
-            </p:cNvPicPr>
-            <p:nvPr/>
-          </p:nvPicPr>
-          <p:blipFill>
-            <a:blip r:embed="rId5" cstate="print">
-              <a:extLst>
-                <a:ext uri="{28A0092B-C50C-407E-A947-70E740481C1C}">
-                  <a14:useLocalDpi xmlns:a14="http://schemas.microsoft.com/office/drawing/2010/main" val="0"/>
-                </a:ext>
-              </a:extLst>
-            </a:blip>
-            <a:srcRect/>
-            <a:stretch>
-              <a:fillRect/>
-            </a:stretch>
-          </p:blipFill>
-          <p:spPr bwMode="auto">
-            <a:xfrm>
-              <a:off x="3048001" y="492369"/>
-              <a:ext cx="3657601" cy="2532185"/>
-            </a:xfrm>
-            <a:prstGeom prst="rect">
-              <a:avLst/>
-            </a:prstGeom>
-            <a:noFill/>
-            <a:extLst>
-              <a:ext uri="{909E8E84-426E-40DD-AFC4-6F175D3DCCD1}">
-                <a14:hiddenFill xmlns:a14="http://schemas.microsoft.com/office/drawing/2010/main">
-                  <a:solidFill>
-                    <a:srgbClr val="FFFFFF"/>
-                  </a:solidFill>
-                </a14:hiddenFill>
-              </a:ext>
-            </a:extLst>
-          </p:spPr>
-        </p:pic>
-        <p:sp>
-          <p:nvSpPr>
-            <p:cNvPr id="11" name="TextBox 10"/>
-            <p:cNvSpPr txBox="1"/>
-            <p:nvPr/>
-          </p:nvSpPr>
-          <p:spPr>
-            <a:xfrm>
-              <a:off x="-76200" y="1"/>
-              <a:ext cx="421578" cy="430881"/>
-            </a:xfrm>
-            <a:prstGeom prst="rect">
-              <a:avLst/>
-            </a:prstGeom>
-            <a:noFill/>
-          </p:spPr>
-          <p:txBody>
-            <a:bodyPr wrap="none" lIns="152394" tIns="76197" rIns="152394" bIns="76197" rtlCol="0">
-              <a:spAutoFit/>
-            </a:bodyPr>
-            <a:lstStyle/>
-            <a:p>
-              <a:r>
-                <a:rPr lang="en-US" b="1" dirty="0"/>
-                <a:t>a</a:t>
-              </a:r>
-            </a:p>
-          </p:txBody>
-        </p:sp>
-        <p:sp>
-          <p:nvSpPr>
-            <p:cNvPr id="12" name="TextBox 11"/>
-            <p:cNvSpPr txBox="1"/>
-            <p:nvPr/>
-          </p:nvSpPr>
-          <p:spPr>
-            <a:xfrm>
-              <a:off x="-66582" y="4352926"/>
-              <a:ext cx="437608" cy="430881"/>
-            </a:xfrm>
-            <a:prstGeom prst="rect">
-              <a:avLst/>
-            </a:prstGeom>
-            <a:noFill/>
-          </p:spPr>
-          <p:txBody>
-            <a:bodyPr wrap="none" lIns="152394" tIns="76197" rIns="152394" bIns="76197" rtlCol="0">
-              <a:spAutoFit/>
-            </a:bodyPr>
-            <a:lstStyle/>
-            <a:p>
-              <a:r>
-                <a:rPr lang="en-US" b="1" dirty="0"/>
-                <a:t>b</a:t>
-              </a:r>
-            </a:p>
-          </p:txBody>
-        </p:sp>
       </p:grpSp>
-      <p:pic>
-        <p:nvPicPr>
-          <p:cNvPr id="9" name="Picture 8">
-            <a:extLst>
-              <a:ext uri="{FF2B5EF4-FFF2-40B4-BE49-F238E27FC236}">
-                <a16:creationId xmlns:a16="http://schemas.microsoft.com/office/drawing/2014/main" id="{449ACE19-A86A-496F-98E0-9DABAF3E63B1}"/>
-              </a:ext>
-            </a:extLst>
-          </p:cNvPr>
-          <p:cNvPicPr>
-            <a:picLocks noChangeAspect="1"/>
-          </p:cNvPicPr>
-          <p:nvPr/>
-        </p:nvPicPr>
-        <p:blipFill>
-          <a:blip r:embed="rId6" cstate="print">
-            <a:extLst>
-              <a:ext uri="{28A0092B-C50C-407E-A947-70E740481C1C}">
-                <a14:useLocalDpi xmlns:a14="http://schemas.microsoft.com/office/drawing/2010/main" val="0"/>
-              </a:ext>
-            </a:extLst>
-          </a:blip>
-          <a:stretch>
-            <a:fillRect/>
-          </a:stretch>
-        </p:blipFill>
-        <p:spPr>
-          <a:xfrm>
-            <a:off x="3317512" y="4783807"/>
-            <a:ext cx="3118578" cy="2338934"/>
-          </a:xfrm>
-          <a:prstGeom prst="rect">
-            <a:avLst/>
-          </a:prstGeom>
-        </p:spPr>
-      </p:pic>
     </p:spTree>
     <p:extLst>
       <p:ext uri="{BB962C8B-B14F-4D97-AF65-F5344CB8AC3E}">
